--- a/ppt 16-9/0310.歌唱吧！同声.pptx
+++ b/ppt 16-9/0310.歌唱吧！同声.pptx
@@ -5,7 +5,7 @@
     <p:sldMasterId id="2147483648" r:id="rId1"/>
   </p:sldMasterIdLst>
   <p:sldIdLst>
-    <p:sldId id="3194" r:id="rId2"/>
+    <p:sldId id="3195" r:id="rId2"/>
   </p:sldIdLst>
   <p:sldSz cx="12192000" cy="6858000"/>
   <p:notesSz cx="6858000" cy="9144000"/>
@@ -129,7 +129,7 @@
           <p:cNvPr id="2" name="标题 1">
             <a:extLst>
               <a:ext uri="{FF2B5EF4-FFF2-40B4-BE49-F238E27FC236}">
-                <a16:creationId xmlns:a16="http://schemas.microsoft.com/office/drawing/2014/main" id="{D38092FB-D06C-18D7-CFEB-526788FE8F18}"/>
+                <a16:creationId xmlns:a16="http://schemas.microsoft.com/office/drawing/2014/main" id="{E4EEBBC2-90FC-44C4-A1E7-9E862412826B}"/>
               </a:ext>
             </a:extLst>
           </p:cNvPr>
@@ -166,7 +166,7 @@
           <p:cNvPr id="3" name="副标题 2">
             <a:extLst>
               <a:ext uri="{FF2B5EF4-FFF2-40B4-BE49-F238E27FC236}">
-                <a16:creationId xmlns:a16="http://schemas.microsoft.com/office/drawing/2014/main" id="{04D4C3B4-2FA8-3531-6C1C-3C0B73820E9A}"/>
+                <a16:creationId xmlns:a16="http://schemas.microsoft.com/office/drawing/2014/main" id="{AC33AAE7-5B87-4AA0-6037-1CDC08C2442A}"/>
               </a:ext>
             </a:extLst>
           </p:cNvPr>
@@ -236,7 +236,7 @@
           <p:cNvPr id="4" name="日期占位符 3">
             <a:extLst>
               <a:ext uri="{FF2B5EF4-FFF2-40B4-BE49-F238E27FC236}">
-                <a16:creationId xmlns:a16="http://schemas.microsoft.com/office/drawing/2014/main" id="{B9F13013-697B-AC75-4265-FF56F393FB16}"/>
+                <a16:creationId xmlns:a16="http://schemas.microsoft.com/office/drawing/2014/main" id="{B4ED0569-1D3B-F839-B784-D16798AB6C77}"/>
               </a:ext>
             </a:extLst>
           </p:cNvPr>
@@ -252,7 +252,7 @@
           <a:bodyPr/>
           <a:lstStyle/>
           <a:p>
-            <a:fld id="{BD2BB0C7-5F12-48CA-94B3-F11B687F46EA}" type="datetimeFigureOut">
+            <a:fld id="{4DDCE556-4D1F-41EE-A331-87F93D655712}" type="datetimeFigureOut">
               <a:rPr lang="zh-CN" altLang="en-US" smtClean="0"/>
               <a:t>2024/3/10</a:t>
             </a:fld>
@@ -265,7 +265,7 @@
           <p:cNvPr id="5" name="页脚占位符 4">
             <a:extLst>
               <a:ext uri="{FF2B5EF4-FFF2-40B4-BE49-F238E27FC236}">
-                <a16:creationId xmlns:a16="http://schemas.microsoft.com/office/drawing/2014/main" id="{C45FBF05-AD37-874B-48F5-8AAE1696F408}"/>
+                <a16:creationId xmlns:a16="http://schemas.microsoft.com/office/drawing/2014/main" id="{94D9D747-56EA-EDB2-A895-E278C3F268A8}"/>
               </a:ext>
             </a:extLst>
           </p:cNvPr>
@@ -290,7 +290,7 @@
           <p:cNvPr id="6" name="灯片编号占位符 5">
             <a:extLst>
               <a:ext uri="{FF2B5EF4-FFF2-40B4-BE49-F238E27FC236}">
-                <a16:creationId xmlns:a16="http://schemas.microsoft.com/office/drawing/2014/main" id="{A5E82F47-EE39-18BF-4D79-80596291B4E3}"/>
+                <a16:creationId xmlns:a16="http://schemas.microsoft.com/office/drawing/2014/main" id="{E12EC30E-EF5B-6212-6DD2-D2462AC5367F}"/>
               </a:ext>
             </a:extLst>
           </p:cNvPr>
@@ -306,7 +306,7 @@
           <a:bodyPr/>
           <a:lstStyle/>
           <a:p>
-            <a:fld id="{B3650932-385E-4602-8C18-5015AB274301}" type="slidenum">
+            <a:fld id="{A00EDBD4-AD8F-4A99-90C9-373B50E2E92A}" type="slidenum">
               <a:rPr lang="zh-CN" altLang="en-US" smtClean="0"/>
               <a:t>‹#›</a:t>
             </a:fld>
@@ -317,7 +317,7 @@
     </p:spTree>
     <p:extLst>
       <p:ext uri="{BB962C8B-B14F-4D97-AF65-F5344CB8AC3E}">
-        <p14:creationId xmlns:p14="http://schemas.microsoft.com/office/powerpoint/2010/main" val="4090331283"/>
+        <p14:creationId xmlns:p14="http://schemas.microsoft.com/office/powerpoint/2010/main" val="2487366496"/>
       </p:ext>
     </p:extLst>
   </p:cSld>
@@ -349,7 +349,7 @@
           <p:cNvPr id="2" name="标题 1">
             <a:extLst>
               <a:ext uri="{FF2B5EF4-FFF2-40B4-BE49-F238E27FC236}">
-                <a16:creationId xmlns:a16="http://schemas.microsoft.com/office/drawing/2014/main" id="{1E0A34DA-291C-2A09-E212-74135B7F471A}"/>
+                <a16:creationId xmlns:a16="http://schemas.microsoft.com/office/drawing/2014/main" id="{0CC94D7C-A6C0-EACC-F7D6-338B4A028392}"/>
               </a:ext>
             </a:extLst>
           </p:cNvPr>
@@ -377,7 +377,7 @@
           <p:cNvPr id="3" name="竖排文字占位符 2">
             <a:extLst>
               <a:ext uri="{FF2B5EF4-FFF2-40B4-BE49-F238E27FC236}">
-                <a16:creationId xmlns:a16="http://schemas.microsoft.com/office/drawing/2014/main" id="{670C9E9C-9205-CE71-968D-E804FFCF67FE}"/>
+                <a16:creationId xmlns:a16="http://schemas.microsoft.com/office/drawing/2014/main" id="{E09E5C51-CDF3-4245-4852-3D24011CA48B}"/>
               </a:ext>
             </a:extLst>
           </p:cNvPr>
@@ -434,7 +434,7 @@
           <p:cNvPr id="4" name="日期占位符 3">
             <a:extLst>
               <a:ext uri="{FF2B5EF4-FFF2-40B4-BE49-F238E27FC236}">
-                <a16:creationId xmlns:a16="http://schemas.microsoft.com/office/drawing/2014/main" id="{4AE56DE6-4E04-3A2C-8DF4-9C42B5DEB775}"/>
+                <a16:creationId xmlns:a16="http://schemas.microsoft.com/office/drawing/2014/main" id="{2324433C-1DC5-ABB1-94E5-AC725AB3D5AC}"/>
               </a:ext>
             </a:extLst>
           </p:cNvPr>
@@ -450,7 +450,7 @@
           <a:bodyPr/>
           <a:lstStyle/>
           <a:p>
-            <a:fld id="{BD2BB0C7-5F12-48CA-94B3-F11B687F46EA}" type="datetimeFigureOut">
+            <a:fld id="{4DDCE556-4D1F-41EE-A331-87F93D655712}" type="datetimeFigureOut">
               <a:rPr lang="zh-CN" altLang="en-US" smtClean="0"/>
               <a:t>2024/3/10</a:t>
             </a:fld>
@@ -463,7 +463,7 @@
           <p:cNvPr id="5" name="页脚占位符 4">
             <a:extLst>
               <a:ext uri="{FF2B5EF4-FFF2-40B4-BE49-F238E27FC236}">
-                <a16:creationId xmlns:a16="http://schemas.microsoft.com/office/drawing/2014/main" id="{2EEEDAF0-3961-305D-A359-1EE4A907CE70}"/>
+                <a16:creationId xmlns:a16="http://schemas.microsoft.com/office/drawing/2014/main" id="{2E470E05-56D2-D1BF-A95F-D7C6C22C0931}"/>
               </a:ext>
             </a:extLst>
           </p:cNvPr>
@@ -488,7 +488,7 @@
           <p:cNvPr id="6" name="灯片编号占位符 5">
             <a:extLst>
               <a:ext uri="{FF2B5EF4-FFF2-40B4-BE49-F238E27FC236}">
-                <a16:creationId xmlns:a16="http://schemas.microsoft.com/office/drawing/2014/main" id="{92CB3CB9-31D3-9144-819B-D7AFF7D5C5AB}"/>
+                <a16:creationId xmlns:a16="http://schemas.microsoft.com/office/drawing/2014/main" id="{2BE342AB-7C12-A664-8EA2-F2DE86322C21}"/>
               </a:ext>
             </a:extLst>
           </p:cNvPr>
@@ -504,7 +504,7 @@
           <a:bodyPr/>
           <a:lstStyle/>
           <a:p>
-            <a:fld id="{B3650932-385E-4602-8C18-5015AB274301}" type="slidenum">
+            <a:fld id="{A00EDBD4-AD8F-4A99-90C9-373B50E2E92A}" type="slidenum">
               <a:rPr lang="zh-CN" altLang="en-US" smtClean="0"/>
               <a:t>‹#›</a:t>
             </a:fld>
@@ -515,7 +515,7 @@
     </p:spTree>
     <p:extLst>
       <p:ext uri="{BB962C8B-B14F-4D97-AF65-F5344CB8AC3E}">
-        <p14:creationId xmlns:p14="http://schemas.microsoft.com/office/powerpoint/2010/main" val="2503628975"/>
+        <p14:creationId xmlns:p14="http://schemas.microsoft.com/office/powerpoint/2010/main" val="887025080"/>
       </p:ext>
     </p:extLst>
   </p:cSld>
@@ -547,7 +547,7 @@
           <p:cNvPr id="2" name="竖排标题 1">
             <a:extLst>
               <a:ext uri="{FF2B5EF4-FFF2-40B4-BE49-F238E27FC236}">
-                <a16:creationId xmlns:a16="http://schemas.microsoft.com/office/drawing/2014/main" id="{D97B9323-A1BD-EAD7-34BB-B958FB9C9B98}"/>
+                <a16:creationId xmlns:a16="http://schemas.microsoft.com/office/drawing/2014/main" id="{00317B2D-9145-6A61-1A58-F1CECEA0FF76}"/>
               </a:ext>
             </a:extLst>
           </p:cNvPr>
@@ -580,7 +580,7 @@
           <p:cNvPr id="3" name="竖排文字占位符 2">
             <a:extLst>
               <a:ext uri="{FF2B5EF4-FFF2-40B4-BE49-F238E27FC236}">
-                <a16:creationId xmlns:a16="http://schemas.microsoft.com/office/drawing/2014/main" id="{F74DAF0C-390D-478F-1CCF-FFE58BAC1B21}"/>
+                <a16:creationId xmlns:a16="http://schemas.microsoft.com/office/drawing/2014/main" id="{354796FE-4CDB-46F8-C766-5F6FE06443BE}"/>
               </a:ext>
             </a:extLst>
           </p:cNvPr>
@@ -642,7 +642,7 @@
           <p:cNvPr id="4" name="日期占位符 3">
             <a:extLst>
               <a:ext uri="{FF2B5EF4-FFF2-40B4-BE49-F238E27FC236}">
-                <a16:creationId xmlns:a16="http://schemas.microsoft.com/office/drawing/2014/main" id="{0A133DE4-2E5C-FA9A-B77A-C7A4F6F05CA6}"/>
+                <a16:creationId xmlns:a16="http://schemas.microsoft.com/office/drawing/2014/main" id="{0F76F1CD-D167-66B3-3B50-DB77D8AB7A57}"/>
               </a:ext>
             </a:extLst>
           </p:cNvPr>
@@ -658,7 +658,7 @@
           <a:bodyPr/>
           <a:lstStyle/>
           <a:p>
-            <a:fld id="{BD2BB0C7-5F12-48CA-94B3-F11B687F46EA}" type="datetimeFigureOut">
+            <a:fld id="{4DDCE556-4D1F-41EE-A331-87F93D655712}" type="datetimeFigureOut">
               <a:rPr lang="zh-CN" altLang="en-US" smtClean="0"/>
               <a:t>2024/3/10</a:t>
             </a:fld>
@@ -671,7 +671,7 @@
           <p:cNvPr id="5" name="页脚占位符 4">
             <a:extLst>
               <a:ext uri="{FF2B5EF4-FFF2-40B4-BE49-F238E27FC236}">
-                <a16:creationId xmlns:a16="http://schemas.microsoft.com/office/drawing/2014/main" id="{A13C457F-A3E4-A11D-A7E1-43DC0A6C62F1}"/>
+                <a16:creationId xmlns:a16="http://schemas.microsoft.com/office/drawing/2014/main" id="{C41B8A65-013F-D4CA-1255-940AFAEFCBA0}"/>
               </a:ext>
             </a:extLst>
           </p:cNvPr>
@@ -696,7 +696,7 @@
           <p:cNvPr id="6" name="灯片编号占位符 5">
             <a:extLst>
               <a:ext uri="{FF2B5EF4-FFF2-40B4-BE49-F238E27FC236}">
-                <a16:creationId xmlns:a16="http://schemas.microsoft.com/office/drawing/2014/main" id="{4E576ECA-114B-6EB8-7132-64ACECFFFE87}"/>
+                <a16:creationId xmlns:a16="http://schemas.microsoft.com/office/drawing/2014/main" id="{2E33E2B0-69C3-7555-D868-79D5D045869D}"/>
               </a:ext>
             </a:extLst>
           </p:cNvPr>
@@ -712,7 +712,7 @@
           <a:bodyPr/>
           <a:lstStyle/>
           <a:p>
-            <a:fld id="{B3650932-385E-4602-8C18-5015AB274301}" type="slidenum">
+            <a:fld id="{A00EDBD4-AD8F-4A99-90C9-373B50E2E92A}" type="slidenum">
               <a:rPr lang="zh-CN" altLang="en-US" smtClean="0"/>
               <a:t>‹#›</a:t>
             </a:fld>
@@ -723,7 +723,7 @@
     </p:spTree>
     <p:extLst>
       <p:ext uri="{BB962C8B-B14F-4D97-AF65-F5344CB8AC3E}">
-        <p14:creationId xmlns:p14="http://schemas.microsoft.com/office/powerpoint/2010/main" val="4170435907"/>
+        <p14:creationId xmlns:p14="http://schemas.microsoft.com/office/powerpoint/2010/main" val="1837044204"/>
       </p:ext>
     </p:extLst>
   </p:cSld>
@@ -755,7 +755,7 @@
           <p:cNvPr id="2" name="标题 1">
             <a:extLst>
               <a:ext uri="{FF2B5EF4-FFF2-40B4-BE49-F238E27FC236}">
-                <a16:creationId xmlns:a16="http://schemas.microsoft.com/office/drawing/2014/main" id="{9A74EF7E-3734-BDE2-DAE2-9B6B8F3A5A65}"/>
+                <a16:creationId xmlns:a16="http://schemas.microsoft.com/office/drawing/2014/main" id="{4B2B556A-A221-AFD6-4A70-614C6FB7FCE1}"/>
               </a:ext>
             </a:extLst>
           </p:cNvPr>
@@ -783,7 +783,7 @@
           <p:cNvPr id="3" name="内容占位符 2">
             <a:extLst>
               <a:ext uri="{FF2B5EF4-FFF2-40B4-BE49-F238E27FC236}">
-                <a16:creationId xmlns:a16="http://schemas.microsoft.com/office/drawing/2014/main" id="{5354987F-E4B0-7464-3BA2-098F6CD4B4E1}"/>
+                <a16:creationId xmlns:a16="http://schemas.microsoft.com/office/drawing/2014/main" id="{5D4C87BA-EC54-E87F-C8A4-D4F0C4FAF798}"/>
               </a:ext>
             </a:extLst>
           </p:cNvPr>
@@ -840,7 +840,7 @@
           <p:cNvPr id="4" name="日期占位符 3">
             <a:extLst>
               <a:ext uri="{FF2B5EF4-FFF2-40B4-BE49-F238E27FC236}">
-                <a16:creationId xmlns:a16="http://schemas.microsoft.com/office/drawing/2014/main" id="{AC2F2BD9-B01E-F8C8-74E1-35F294E694AA}"/>
+                <a16:creationId xmlns:a16="http://schemas.microsoft.com/office/drawing/2014/main" id="{570EC49C-A7CA-12B4-57A3-BACD5B1C80EB}"/>
               </a:ext>
             </a:extLst>
           </p:cNvPr>
@@ -856,7 +856,7 @@
           <a:bodyPr/>
           <a:lstStyle/>
           <a:p>
-            <a:fld id="{BD2BB0C7-5F12-48CA-94B3-F11B687F46EA}" type="datetimeFigureOut">
+            <a:fld id="{4DDCE556-4D1F-41EE-A331-87F93D655712}" type="datetimeFigureOut">
               <a:rPr lang="zh-CN" altLang="en-US" smtClean="0"/>
               <a:t>2024/3/10</a:t>
             </a:fld>
@@ -869,7 +869,7 @@
           <p:cNvPr id="5" name="页脚占位符 4">
             <a:extLst>
               <a:ext uri="{FF2B5EF4-FFF2-40B4-BE49-F238E27FC236}">
-                <a16:creationId xmlns:a16="http://schemas.microsoft.com/office/drawing/2014/main" id="{7A6E0790-90D8-AEFE-DC4C-98883125FBEC}"/>
+                <a16:creationId xmlns:a16="http://schemas.microsoft.com/office/drawing/2014/main" id="{8D28A94B-06F4-54C2-3E8E-D5AC3CA79188}"/>
               </a:ext>
             </a:extLst>
           </p:cNvPr>
@@ -894,7 +894,7 @@
           <p:cNvPr id="6" name="灯片编号占位符 5">
             <a:extLst>
               <a:ext uri="{FF2B5EF4-FFF2-40B4-BE49-F238E27FC236}">
-                <a16:creationId xmlns:a16="http://schemas.microsoft.com/office/drawing/2014/main" id="{34D3F679-F6B2-5107-5FC0-9C822C362BD2}"/>
+                <a16:creationId xmlns:a16="http://schemas.microsoft.com/office/drawing/2014/main" id="{4CA4F3DB-7EA7-5C82-A196-7457316B16A0}"/>
               </a:ext>
             </a:extLst>
           </p:cNvPr>
@@ -910,7 +910,7 @@
           <a:bodyPr/>
           <a:lstStyle/>
           <a:p>
-            <a:fld id="{B3650932-385E-4602-8C18-5015AB274301}" type="slidenum">
+            <a:fld id="{A00EDBD4-AD8F-4A99-90C9-373B50E2E92A}" type="slidenum">
               <a:rPr lang="zh-CN" altLang="en-US" smtClean="0"/>
               <a:t>‹#›</a:t>
             </a:fld>
@@ -921,7 +921,7 @@
     </p:spTree>
     <p:extLst>
       <p:ext uri="{BB962C8B-B14F-4D97-AF65-F5344CB8AC3E}">
-        <p14:creationId xmlns:p14="http://schemas.microsoft.com/office/powerpoint/2010/main" val="371583943"/>
+        <p14:creationId xmlns:p14="http://schemas.microsoft.com/office/powerpoint/2010/main" val="1418938376"/>
       </p:ext>
     </p:extLst>
   </p:cSld>
@@ -953,7 +953,7 @@
           <p:cNvPr id="2" name="标题 1">
             <a:extLst>
               <a:ext uri="{FF2B5EF4-FFF2-40B4-BE49-F238E27FC236}">
-                <a16:creationId xmlns:a16="http://schemas.microsoft.com/office/drawing/2014/main" id="{2912FA91-6287-C3F2-F3F8-98DF4417ACA0}"/>
+                <a16:creationId xmlns:a16="http://schemas.microsoft.com/office/drawing/2014/main" id="{51CB201D-AA94-65A5-4023-323CD07A5894}"/>
               </a:ext>
             </a:extLst>
           </p:cNvPr>
@@ -990,7 +990,7 @@
           <p:cNvPr id="3" name="文本占位符 2">
             <a:extLst>
               <a:ext uri="{FF2B5EF4-FFF2-40B4-BE49-F238E27FC236}">
-                <a16:creationId xmlns:a16="http://schemas.microsoft.com/office/drawing/2014/main" id="{1102914B-7BAB-E53B-A1A8-7EAA32D68258}"/>
+                <a16:creationId xmlns:a16="http://schemas.microsoft.com/office/drawing/2014/main" id="{619E76D7-8F0B-A6EE-3C3A-312A5C6F85A2}"/>
               </a:ext>
             </a:extLst>
           </p:cNvPr>
@@ -1115,7 +1115,7 @@
           <p:cNvPr id="4" name="日期占位符 3">
             <a:extLst>
               <a:ext uri="{FF2B5EF4-FFF2-40B4-BE49-F238E27FC236}">
-                <a16:creationId xmlns:a16="http://schemas.microsoft.com/office/drawing/2014/main" id="{54D8AA40-C12B-D892-60F1-27D026E9DF95}"/>
+                <a16:creationId xmlns:a16="http://schemas.microsoft.com/office/drawing/2014/main" id="{30AED734-EDC7-B223-0BF4-EC9057722E6D}"/>
               </a:ext>
             </a:extLst>
           </p:cNvPr>
@@ -1131,7 +1131,7 @@
           <a:bodyPr/>
           <a:lstStyle/>
           <a:p>
-            <a:fld id="{BD2BB0C7-5F12-48CA-94B3-F11B687F46EA}" type="datetimeFigureOut">
+            <a:fld id="{4DDCE556-4D1F-41EE-A331-87F93D655712}" type="datetimeFigureOut">
               <a:rPr lang="zh-CN" altLang="en-US" smtClean="0"/>
               <a:t>2024/3/10</a:t>
             </a:fld>
@@ -1144,7 +1144,7 @@
           <p:cNvPr id="5" name="页脚占位符 4">
             <a:extLst>
               <a:ext uri="{FF2B5EF4-FFF2-40B4-BE49-F238E27FC236}">
-                <a16:creationId xmlns:a16="http://schemas.microsoft.com/office/drawing/2014/main" id="{82D0FB3E-5174-4D34-F81F-85E85CBC83FA}"/>
+                <a16:creationId xmlns:a16="http://schemas.microsoft.com/office/drawing/2014/main" id="{2B255B0A-DC1D-50F4-010E-430627E0567C}"/>
               </a:ext>
             </a:extLst>
           </p:cNvPr>
@@ -1169,7 +1169,7 @@
           <p:cNvPr id="6" name="灯片编号占位符 5">
             <a:extLst>
               <a:ext uri="{FF2B5EF4-FFF2-40B4-BE49-F238E27FC236}">
-                <a16:creationId xmlns:a16="http://schemas.microsoft.com/office/drawing/2014/main" id="{A4288118-9CE6-CD32-4076-F4A7B77DDD16}"/>
+                <a16:creationId xmlns:a16="http://schemas.microsoft.com/office/drawing/2014/main" id="{F0068ED5-CE2A-4AB2-00CD-08EFAA53D9CF}"/>
               </a:ext>
             </a:extLst>
           </p:cNvPr>
@@ -1185,7 +1185,7 @@
           <a:bodyPr/>
           <a:lstStyle/>
           <a:p>
-            <a:fld id="{B3650932-385E-4602-8C18-5015AB274301}" type="slidenum">
+            <a:fld id="{A00EDBD4-AD8F-4A99-90C9-373B50E2E92A}" type="slidenum">
               <a:rPr lang="zh-CN" altLang="en-US" smtClean="0"/>
               <a:t>‹#›</a:t>
             </a:fld>
@@ -1196,7 +1196,7 @@
     </p:spTree>
     <p:extLst>
       <p:ext uri="{BB962C8B-B14F-4D97-AF65-F5344CB8AC3E}">
-        <p14:creationId xmlns:p14="http://schemas.microsoft.com/office/powerpoint/2010/main" val="2621496680"/>
+        <p14:creationId xmlns:p14="http://schemas.microsoft.com/office/powerpoint/2010/main" val="2107266064"/>
       </p:ext>
     </p:extLst>
   </p:cSld>
@@ -1228,7 +1228,7 @@
           <p:cNvPr id="2" name="标题 1">
             <a:extLst>
               <a:ext uri="{FF2B5EF4-FFF2-40B4-BE49-F238E27FC236}">
-                <a16:creationId xmlns:a16="http://schemas.microsoft.com/office/drawing/2014/main" id="{8EEBCA02-FB47-32C1-D190-8880B9CAEF21}"/>
+                <a16:creationId xmlns:a16="http://schemas.microsoft.com/office/drawing/2014/main" id="{90ACE4D4-72F5-ED00-0DB1-501FF22F7D4D}"/>
               </a:ext>
             </a:extLst>
           </p:cNvPr>
@@ -1256,7 +1256,7 @@
           <p:cNvPr id="3" name="内容占位符 2">
             <a:extLst>
               <a:ext uri="{FF2B5EF4-FFF2-40B4-BE49-F238E27FC236}">
-                <a16:creationId xmlns:a16="http://schemas.microsoft.com/office/drawing/2014/main" id="{F124850A-611B-2742-DA87-5A0BE7655868}"/>
+                <a16:creationId xmlns:a16="http://schemas.microsoft.com/office/drawing/2014/main" id="{46026322-8115-88D8-ABFC-21C6496F38D7}"/>
               </a:ext>
             </a:extLst>
           </p:cNvPr>
@@ -1318,7 +1318,7 @@
           <p:cNvPr id="4" name="内容占位符 3">
             <a:extLst>
               <a:ext uri="{FF2B5EF4-FFF2-40B4-BE49-F238E27FC236}">
-                <a16:creationId xmlns:a16="http://schemas.microsoft.com/office/drawing/2014/main" id="{91CE3853-CDBD-544A-DB1E-3E765EDDE09E}"/>
+                <a16:creationId xmlns:a16="http://schemas.microsoft.com/office/drawing/2014/main" id="{73A8410C-0FF5-23F3-82CB-BF6C0B1B1A16}"/>
               </a:ext>
             </a:extLst>
           </p:cNvPr>
@@ -1380,7 +1380,7 @@
           <p:cNvPr id="5" name="日期占位符 4">
             <a:extLst>
               <a:ext uri="{FF2B5EF4-FFF2-40B4-BE49-F238E27FC236}">
-                <a16:creationId xmlns:a16="http://schemas.microsoft.com/office/drawing/2014/main" id="{5D307D6F-5CDD-99C2-FAA6-52341F26C127}"/>
+                <a16:creationId xmlns:a16="http://schemas.microsoft.com/office/drawing/2014/main" id="{9C5A5559-CDDA-E8E6-3AF5-95ED63D1BE85}"/>
               </a:ext>
             </a:extLst>
           </p:cNvPr>
@@ -1396,7 +1396,7 @@
           <a:bodyPr/>
           <a:lstStyle/>
           <a:p>
-            <a:fld id="{BD2BB0C7-5F12-48CA-94B3-F11B687F46EA}" type="datetimeFigureOut">
+            <a:fld id="{4DDCE556-4D1F-41EE-A331-87F93D655712}" type="datetimeFigureOut">
               <a:rPr lang="zh-CN" altLang="en-US" smtClean="0"/>
               <a:t>2024/3/10</a:t>
             </a:fld>
@@ -1409,7 +1409,7 @@
           <p:cNvPr id="6" name="页脚占位符 5">
             <a:extLst>
               <a:ext uri="{FF2B5EF4-FFF2-40B4-BE49-F238E27FC236}">
-                <a16:creationId xmlns:a16="http://schemas.microsoft.com/office/drawing/2014/main" id="{3460EAB6-0431-45CB-F668-19B5067802EF}"/>
+                <a16:creationId xmlns:a16="http://schemas.microsoft.com/office/drawing/2014/main" id="{CC003041-2FB4-F6A4-46B9-DA4216837B32}"/>
               </a:ext>
             </a:extLst>
           </p:cNvPr>
@@ -1434,7 +1434,7 @@
           <p:cNvPr id="7" name="灯片编号占位符 6">
             <a:extLst>
               <a:ext uri="{FF2B5EF4-FFF2-40B4-BE49-F238E27FC236}">
-                <a16:creationId xmlns:a16="http://schemas.microsoft.com/office/drawing/2014/main" id="{37874E0C-E65C-FD6B-2AE6-EDDBFB6A95A3}"/>
+                <a16:creationId xmlns:a16="http://schemas.microsoft.com/office/drawing/2014/main" id="{4DFAECF1-6C46-ECC1-DFA7-D39AF9B313FC}"/>
               </a:ext>
             </a:extLst>
           </p:cNvPr>
@@ -1450,7 +1450,7 @@
           <a:bodyPr/>
           <a:lstStyle/>
           <a:p>
-            <a:fld id="{B3650932-385E-4602-8C18-5015AB274301}" type="slidenum">
+            <a:fld id="{A00EDBD4-AD8F-4A99-90C9-373B50E2E92A}" type="slidenum">
               <a:rPr lang="zh-CN" altLang="en-US" smtClean="0"/>
               <a:t>‹#›</a:t>
             </a:fld>
@@ -1461,7 +1461,7 @@
     </p:spTree>
     <p:extLst>
       <p:ext uri="{BB962C8B-B14F-4D97-AF65-F5344CB8AC3E}">
-        <p14:creationId xmlns:p14="http://schemas.microsoft.com/office/powerpoint/2010/main" val="84810577"/>
+        <p14:creationId xmlns:p14="http://schemas.microsoft.com/office/powerpoint/2010/main" val="689537751"/>
       </p:ext>
     </p:extLst>
   </p:cSld>
@@ -1493,7 +1493,7 @@
           <p:cNvPr id="2" name="标题 1">
             <a:extLst>
               <a:ext uri="{FF2B5EF4-FFF2-40B4-BE49-F238E27FC236}">
-                <a16:creationId xmlns:a16="http://schemas.microsoft.com/office/drawing/2014/main" id="{DAC6DD78-6859-AF68-8FEC-03A6EA02E58B}"/>
+                <a16:creationId xmlns:a16="http://schemas.microsoft.com/office/drawing/2014/main" id="{8A1DAADF-EA55-6613-BC5B-6229B7F45F76}"/>
               </a:ext>
             </a:extLst>
           </p:cNvPr>
@@ -1526,7 +1526,7 @@
           <p:cNvPr id="3" name="文本占位符 2">
             <a:extLst>
               <a:ext uri="{FF2B5EF4-FFF2-40B4-BE49-F238E27FC236}">
-                <a16:creationId xmlns:a16="http://schemas.microsoft.com/office/drawing/2014/main" id="{3D2CA951-E87B-1C9F-C2E6-78081EEED3DD}"/>
+                <a16:creationId xmlns:a16="http://schemas.microsoft.com/office/drawing/2014/main" id="{53A5932D-4A93-91F5-6C3F-5CC21B943E20}"/>
               </a:ext>
             </a:extLst>
           </p:cNvPr>
@@ -1597,7 +1597,7 @@
           <p:cNvPr id="4" name="内容占位符 3">
             <a:extLst>
               <a:ext uri="{FF2B5EF4-FFF2-40B4-BE49-F238E27FC236}">
-                <a16:creationId xmlns:a16="http://schemas.microsoft.com/office/drawing/2014/main" id="{7963EF3A-DAB2-B310-C595-97F8CBB53493}"/>
+                <a16:creationId xmlns:a16="http://schemas.microsoft.com/office/drawing/2014/main" id="{D0F505A3-95F6-4AC0-5A5D-BB4E6E9EA8AB}"/>
               </a:ext>
             </a:extLst>
           </p:cNvPr>
@@ -1659,7 +1659,7 @@
           <p:cNvPr id="5" name="文本占位符 4">
             <a:extLst>
               <a:ext uri="{FF2B5EF4-FFF2-40B4-BE49-F238E27FC236}">
-                <a16:creationId xmlns:a16="http://schemas.microsoft.com/office/drawing/2014/main" id="{7EBE8C7F-0182-5040-BBD6-9B2B5FFE2071}"/>
+                <a16:creationId xmlns:a16="http://schemas.microsoft.com/office/drawing/2014/main" id="{F1E616DC-448E-922E-12C8-900842528995}"/>
               </a:ext>
             </a:extLst>
           </p:cNvPr>
@@ -1730,7 +1730,7 @@
           <p:cNvPr id="6" name="内容占位符 5">
             <a:extLst>
               <a:ext uri="{FF2B5EF4-FFF2-40B4-BE49-F238E27FC236}">
-                <a16:creationId xmlns:a16="http://schemas.microsoft.com/office/drawing/2014/main" id="{96226E77-75D2-1368-8970-283D4BFAFBA6}"/>
+                <a16:creationId xmlns:a16="http://schemas.microsoft.com/office/drawing/2014/main" id="{C096930F-66E1-135B-D4AE-2E22F229BDE6}"/>
               </a:ext>
             </a:extLst>
           </p:cNvPr>
@@ -1792,7 +1792,7 @@
           <p:cNvPr id="7" name="日期占位符 6">
             <a:extLst>
               <a:ext uri="{FF2B5EF4-FFF2-40B4-BE49-F238E27FC236}">
-                <a16:creationId xmlns:a16="http://schemas.microsoft.com/office/drawing/2014/main" id="{2F988317-CE29-3731-C6DB-040E1D266CB8}"/>
+                <a16:creationId xmlns:a16="http://schemas.microsoft.com/office/drawing/2014/main" id="{1F4A2007-E54C-3B17-9261-B9B4492B453D}"/>
               </a:ext>
             </a:extLst>
           </p:cNvPr>
@@ -1808,7 +1808,7 @@
           <a:bodyPr/>
           <a:lstStyle/>
           <a:p>
-            <a:fld id="{BD2BB0C7-5F12-48CA-94B3-F11B687F46EA}" type="datetimeFigureOut">
+            <a:fld id="{4DDCE556-4D1F-41EE-A331-87F93D655712}" type="datetimeFigureOut">
               <a:rPr lang="zh-CN" altLang="en-US" smtClean="0"/>
               <a:t>2024/3/10</a:t>
             </a:fld>
@@ -1821,7 +1821,7 @@
           <p:cNvPr id="8" name="页脚占位符 7">
             <a:extLst>
               <a:ext uri="{FF2B5EF4-FFF2-40B4-BE49-F238E27FC236}">
-                <a16:creationId xmlns:a16="http://schemas.microsoft.com/office/drawing/2014/main" id="{8BE3D10F-A874-3821-F989-65F588685CB0}"/>
+                <a16:creationId xmlns:a16="http://schemas.microsoft.com/office/drawing/2014/main" id="{6DCA8CF1-CA41-6B16-EE0A-6134D2E1E06A}"/>
               </a:ext>
             </a:extLst>
           </p:cNvPr>
@@ -1846,7 +1846,7 @@
           <p:cNvPr id="9" name="灯片编号占位符 8">
             <a:extLst>
               <a:ext uri="{FF2B5EF4-FFF2-40B4-BE49-F238E27FC236}">
-                <a16:creationId xmlns:a16="http://schemas.microsoft.com/office/drawing/2014/main" id="{989A5D2B-3739-6503-AFC3-353747E9CEAB}"/>
+                <a16:creationId xmlns:a16="http://schemas.microsoft.com/office/drawing/2014/main" id="{3E8A7153-74FA-30C6-2C5E-B2EBFCAC0B89}"/>
               </a:ext>
             </a:extLst>
           </p:cNvPr>
@@ -1862,7 +1862,7 @@
           <a:bodyPr/>
           <a:lstStyle/>
           <a:p>
-            <a:fld id="{B3650932-385E-4602-8C18-5015AB274301}" type="slidenum">
+            <a:fld id="{A00EDBD4-AD8F-4A99-90C9-373B50E2E92A}" type="slidenum">
               <a:rPr lang="zh-CN" altLang="en-US" smtClean="0"/>
               <a:t>‹#›</a:t>
             </a:fld>
@@ -1873,7 +1873,7 @@
     </p:spTree>
     <p:extLst>
       <p:ext uri="{BB962C8B-B14F-4D97-AF65-F5344CB8AC3E}">
-        <p14:creationId xmlns:p14="http://schemas.microsoft.com/office/powerpoint/2010/main" val="3091902341"/>
+        <p14:creationId xmlns:p14="http://schemas.microsoft.com/office/powerpoint/2010/main" val="1582819314"/>
       </p:ext>
     </p:extLst>
   </p:cSld>
@@ -1905,7 +1905,7 @@
           <p:cNvPr id="2" name="标题 1">
             <a:extLst>
               <a:ext uri="{FF2B5EF4-FFF2-40B4-BE49-F238E27FC236}">
-                <a16:creationId xmlns:a16="http://schemas.microsoft.com/office/drawing/2014/main" id="{4874E48C-38BA-2AD4-3AB5-E21E22C58725}"/>
+                <a16:creationId xmlns:a16="http://schemas.microsoft.com/office/drawing/2014/main" id="{8682A49B-71AB-17FB-ED3E-DFAEAD5BDE69}"/>
               </a:ext>
             </a:extLst>
           </p:cNvPr>
@@ -1933,7 +1933,7 @@
           <p:cNvPr id="3" name="日期占位符 2">
             <a:extLst>
               <a:ext uri="{FF2B5EF4-FFF2-40B4-BE49-F238E27FC236}">
-                <a16:creationId xmlns:a16="http://schemas.microsoft.com/office/drawing/2014/main" id="{45774088-1ACF-358D-127C-829F27321692}"/>
+                <a16:creationId xmlns:a16="http://schemas.microsoft.com/office/drawing/2014/main" id="{67BB24C9-1817-8373-3D8F-5B9CE8DD277C}"/>
               </a:ext>
             </a:extLst>
           </p:cNvPr>
@@ -1949,7 +1949,7 @@
           <a:bodyPr/>
           <a:lstStyle/>
           <a:p>
-            <a:fld id="{BD2BB0C7-5F12-48CA-94B3-F11B687F46EA}" type="datetimeFigureOut">
+            <a:fld id="{4DDCE556-4D1F-41EE-A331-87F93D655712}" type="datetimeFigureOut">
               <a:rPr lang="zh-CN" altLang="en-US" smtClean="0"/>
               <a:t>2024/3/10</a:t>
             </a:fld>
@@ -1962,7 +1962,7 @@
           <p:cNvPr id="4" name="页脚占位符 3">
             <a:extLst>
               <a:ext uri="{FF2B5EF4-FFF2-40B4-BE49-F238E27FC236}">
-                <a16:creationId xmlns:a16="http://schemas.microsoft.com/office/drawing/2014/main" id="{CD63027B-A51B-E31D-79E9-E63F16890911}"/>
+                <a16:creationId xmlns:a16="http://schemas.microsoft.com/office/drawing/2014/main" id="{449D0B72-ECA9-EC9F-ABE2-248DC3F9A285}"/>
               </a:ext>
             </a:extLst>
           </p:cNvPr>
@@ -1987,7 +1987,7 @@
           <p:cNvPr id="5" name="灯片编号占位符 4">
             <a:extLst>
               <a:ext uri="{FF2B5EF4-FFF2-40B4-BE49-F238E27FC236}">
-                <a16:creationId xmlns:a16="http://schemas.microsoft.com/office/drawing/2014/main" id="{16903046-98D1-298F-E715-B42255E1BC7B}"/>
+                <a16:creationId xmlns:a16="http://schemas.microsoft.com/office/drawing/2014/main" id="{331DA5E8-9286-32E5-44D0-CB60F8213701}"/>
               </a:ext>
             </a:extLst>
           </p:cNvPr>
@@ -2003,7 +2003,7 @@
           <a:bodyPr/>
           <a:lstStyle/>
           <a:p>
-            <a:fld id="{B3650932-385E-4602-8C18-5015AB274301}" type="slidenum">
+            <a:fld id="{A00EDBD4-AD8F-4A99-90C9-373B50E2E92A}" type="slidenum">
               <a:rPr lang="zh-CN" altLang="en-US" smtClean="0"/>
               <a:t>‹#›</a:t>
             </a:fld>
@@ -2014,7 +2014,7 @@
     </p:spTree>
     <p:extLst>
       <p:ext uri="{BB962C8B-B14F-4D97-AF65-F5344CB8AC3E}">
-        <p14:creationId xmlns:p14="http://schemas.microsoft.com/office/powerpoint/2010/main" val="2455659066"/>
+        <p14:creationId xmlns:p14="http://schemas.microsoft.com/office/powerpoint/2010/main" val="1188771448"/>
       </p:ext>
     </p:extLst>
   </p:cSld>
@@ -2046,7 +2046,7 @@
           <p:cNvPr id="2" name="日期占位符 1">
             <a:extLst>
               <a:ext uri="{FF2B5EF4-FFF2-40B4-BE49-F238E27FC236}">
-                <a16:creationId xmlns:a16="http://schemas.microsoft.com/office/drawing/2014/main" id="{8F794E17-5C73-C5F4-6F8F-27C9A35574C1}"/>
+                <a16:creationId xmlns:a16="http://schemas.microsoft.com/office/drawing/2014/main" id="{309E98D2-98E0-4A7D-8C73-DA203B2AD550}"/>
               </a:ext>
             </a:extLst>
           </p:cNvPr>
@@ -2062,7 +2062,7 @@
           <a:bodyPr/>
           <a:lstStyle/>
           <a:p>
-            <a:fld id="{BD2BB0C7-5F12-48CA-94B3-F11B687F46EA}" type="datetimeFigureOut">
+            <a:fld id="{4DDCE556-4D1F-41EE-A331-87F93D655712}" type="datetimeFigureOut">
               <a:rPr lang="zh-CN" altLang="en-US" smtClean="0"/>
               <a:t>2024/3/10</a:t>
             </a:fld>
@@ -2075,7 +2075,7 @@
           <p:cNvPr id="3" name="页脚占位符 2">
             <a:extLst>
               <a:ext uri="{FF2B5EF4-FFF2-40B4-BE49-F238E27FC236}">
-                <a16:creationId xmlns:a16="http://schemas.microsoft.com/office/drawing/2014/main" id="{876112CE-3166-ADEA-F55F-001B0C7E302A}"/>
+                <a16:creationId xmlns:a16="http://schemas.microsoft.com/office/drawing/2014/main" id="{B113F1F7-10A2-4A4E-7E63-5DC82FE57126}"/>
               </a:ext>
             </a:extLst>
           </p:cNvPr>
@@ -2100,7 +2100,7 @@
           <p:cNvPr id="4" name="灯片编号占位符 3">
             <a:extLst>
               <a:ext uri="{FF2B5EF4-FFF2-40B4-BE49-F238E27FC236}">
-                <a16:creationId xmlns:a16="http://schemas.microsoft.com/office/drawing/2014/main" id="{EEB02188-435C-CE2D-F09E-D9F2BDE492C3}"/>
+                <a16:creationId xmlns:a16="http://schemas.microsoft.com/office/drawing/2014/main" id="{002BCE1A-405B-7841-36AE-04834340F84B}"/>
               </a:ext>
             </a:extLst>
           </p:cNvPr>
@@ -2116,7 +2116,7 @@
           <a:bodyPr/>
           <a:lstStyle/>
           <a:p>
-            <a:fld id="{B3650932-385E-4602-8C18-5015AB274301}" type="slidenum">
+            <a:fld id="{A00EDBD4-AD8F-4A99-90C9-373B50E2E92A}" type="slidenum">
               <a:rPr lang="zh-CN" altLang="en-US" smtClean="0"/>
               <a:t>‹#›</a:t>
             </a:fld>
@@ -2127,7 +2127,7 @@
     </p:spTree>
     <p:extLst>
       <p:ext uri="{BB962C8B-B14F-4D97-AF65-F5344CB8AC3E}">
-        <p14:creationId xmlns:p14="http://schemas.microsoft.com/office/powerpoint/2010/main" val="2068657578"/>
+        <p14:creationId xmlns:p14="http://schemas.microsoft.com/office/powerpoint/2010/main" val="191662282"/>
       </p:ext>
     </p:extLst>
   </p:cSld>
@@ -2159,7 +2159,7 @@
           <p:cNvPr id="2" name="标题 1">
             <a:extLst>
               <a:ext uri="{FF2B5EF4-FFF2-40B4-BE49-F238E27FC236}">
-                <a16:creationId xmlns:a16="http://schemas.microsoft.com/office/drawing/2014/main" id="{CB07E1DB-B2AA-E496-30C1-A59CBF6D9196}"/>
+                <a16:creationId xmlns:a16="http://schemas.microsoft.com/office/drawing/2014/main" id="{CF174665-EB3F-6DFC-C126-C6A61235B3E6}"/>
               </a:ext>
             </a:extLst>
           </p:cNvPr>
@@ -2196,7 +2196,7 @@
           <p:cNvPr id="3" name="内容占位符 2">
             <a:extLst>
               <a:ext uri="{FF2B5EF4-FFF2-40B4-BE49-F238E27FC236}">
-                <a16:creationId xmlns:a16="http://schemas.microsoft.com/office/drawing/2014/main" id="{AEAB0194-F202-A10F-3ED9-E5C3F6B1C0A7}"/>
+                <a16:creationId xmlns:a16="http://schemas.microsoft.com/office/drawing/2014/main" id="{F8080D8C-CE7C-DC85-FC9C-532E12D2EAF6}"/>
               </a:ext>
             </a:extLst>
           </p:cNvPr>
@@ -2286,7 +2286,7 @@
           <p:cNvPr id="4" name="文本占位符 3">
             <a:extLst>
               <a:ext uri="{FF2B5EF4-FFF2-40B4-BE49-F238E27FC236}">
-                <a16:creationId xmlns:a16="http://schemas.microsoft.com/office/drawing/2014/main" id="{AF5CDC90-954D-418B-F764-2E954A85673B}"/>
+                <a16:creationId xmlns:a16="http://schemas.microsoft.com/office/drawing/2014/main" id="{1AF94F6E-A649-0DCD-86A7-631B0E1D8CE4}"/>
               </a:ext>
             </a:extLst>
           </p:cNvPr>
@@ -2357,7 +2357,7 @@
           <p:cNvPr id="5" name="日期占位符 4">
             <a:extLst>
               <a:ext uri="{FF2B5EF4-FFF2-40B4-BE49-F238E27FC236}">
-                <a16:creationId xmlns:a16="http://schemas.microsoft.com/office/drawing/2014/main" id="{12C25002-B9F7-B4AA-0A65-41683B4567B9}"/>
+                <a16:creationId xmlns:a16="http://schemas.microsoft.com/office/drawing/2014/main" id="{7A894A9C-F524-AB77-FE12-E31B236F0249}"/>
               </a:ext>
             </a:extLst>
           </p:cNvPr>
@@ -2373,7 +2373,7 @@
           <a:bodyPr/>
           <a:lstStyle/>
           <a:p>
-            <a:fld id="{BD2BB0C7-5F12-48CA-94B3-F11B687F46EA}" type="datetimeFigureOut">
+            <a:fld id="{4DDCE556-4D1F-41EE-A331-87F93D655712}" type="datetimeFigureOut">
               <a:rPr lang="zh-CN" altLang="en-US" smtClean="0"/>
               <a:t>2024/3/10</a:t>
             </a:fld>
@@ -2386,7 +2386,7 @@
           <p:cNvPr id="6" name="页脚占位符 5">
             <a:extLst>
               <a:ext uri="{FF2B5EF4-FFF2-40B4-BE49-F238E27FC236}">
-                <a16:creationId xmlns:a16="http://schemas.microsoft.com/office/drawing/2014/main" id="{887C71C8-025C-B07A-57A5-B4ABDEA8ECD2}"/>
+                <a16:creationId xmlns:a16="http://schemas.microsoft.com/office/drawing/2014/main" id="{D5C5AF61-8AF7-8DF5-80CF-6FB48A970615}"/>
               </a:ext>
             </a:extLst>
           </p:cNvPr>
@@ -2411,7 +2411,7 @@
           <p:cNvPr id="7" name="灯片编号占位符 6">
             <a:extLst>
               <a:ext uri="{FF2B5EF4-FFF2-40B4-BE49-F238E27FC236}">
-                <a16:creationId xmlns:a16="http://schemas.microsoft.com/office/drawing/2014/main" id="{580096B2-C8A9-3BCF-AF75-BEAE326E8470}"/>
+                <a16:creationId xmlns:a16="http://schemas.microsoft.com/office/drawing/2014/main" id="{0F439844-308B-9B67-4C79-D6AE59E8EF05}"/>
               </a:ext>
             </a:extLst>
           </p:cNvPr>
@@ -2427,7 +2427,7 @@
           <a:bodyPr/>
           <a:lstStyle/>
           <a:p>
-            <a:fld id="{B3650932-385E-4602-8C18-5015AB274301}" type="slidenum">
+            <a:fld id="{A00EDBD4-AD8F-4A99-90C9-373B50E2E92A}" type="slidenum">
               <a:rPr lang="zh-CN" altLang="en-US" smtClean="0"/>
               <a:t>‹#›</a:t>
             </a:fld>
@@ -2438,7 +2438,7 @@
     </p:spTree>
     <p:extLst>
       <p:ext uri="{BB962C8B-B14F-4D97-AF65-F5344CB8AC3E}">
-        <p14:creationId xmlns:p14="http://schemas.microsoft.com/office/powerpoint/2010/main" val="2332088963"/>
+        <p14:creationId xmlns:p14="http://schemas.microsoft.com/office/powerpoint/2010/main" val="553284500"/>
       </p:ext>
     </p:extLst>
   </p:cSld>
@@ -2470,7 +2470,7 @@
           <p:cNvPr id="2" name="标题 1">
             <a:extLst>
               <a:ext uri="{FF2B5EF4-FFF2-40B4-BE49-F238E27FC236}">
-                <a16:creationId xmlns:a16="http://schemas.microsoft.com/office/drawing/2014/main" id="{7FB863BD-77FC-F629-76A3-587E42215888}"/>
+                <a16:creationId xmlns:a16="http://schemas.microsoft.com/office/drawing/2014/main" id="{F10418A0-2B5B-F9DE-C462-1F57EDB89843}"/>
               </a:ext>
             </a:extLst>
           </p:cNvPr>
@@ -2507,7 +2507,7 @@
           <p:cNvPr id="3" name="图片占位符 2">
             <a:extLst>
               <a:ext uri="{FF2B5EF4-FFF2-40B4-BE49-F238E27FC236}">
-                <a16:creationId xmlns:a16="http://schemas.microsoft.com/office/drawing/2014/main" id="{E45A37C3-D1D0-9A86-143E-2F25892819F5}"/>
+                <a16:creationId xmlns:a16="http://schemas.microsoft.com/office/drawing/2014/main" id="{81943324-5270-824D-E3D1-10AB25F90E66}"/>
               </a:ext>
             </a:extLst>
           </p:cNvPr>
@@ -2574,7 +2574,7 @@
           <p:cNvPr id="4" name="文本占位符 3">
             <a:extLst>
               <a:ext uri="{FF2B5EF4-FFF2-40B4-BE49-F238E27FC236}">
-                <a16:creationId xmlns:a16="http://schemas.microsoft.com/office/drawing/2014/main" id="{2ECE6214-7D18-2C1A-22E5-48251596A9C6}"/>
+                <a16:creationId xmlns:a16="http://schemas.microsoft.com/office/drawing/2014/main" id="{225E52E6-8381-7D14-3FB0-763019FE9C14}"/>
               </a:ext>
             </a:extLst>
           </p:cNvPr>
@@ -2645,7 +2645,7 @@
           <p:cNvPr id="5" name="日期占位符 4">
             <a:extLst>
               <a:ext uri="{FF2B5EF4-FFF2-40B4-BE49-F238E27FC236}">
-                <a16:creationId xmlns:a16="http://schemas.microsoft.com/office/drawing/2014/main" id="{86B2A9D5-6A78-194E-F844-3A2DBC3B3879}"/>
+                <a16:creationId xmlns:a16="http://schemas.microsoft.com/office/drawing/2014/main" id="{2763B7CF-8B88-FE08-8250-8CF0E92A06FD}"/>
               </a:ext>
             </a:extLst>
           </p:cNvPr>
@@ -2661,7 +2661,7 @@
           <a:bodyPr/>
           <a:lstStyle/>
           <a:p>
-            <a:fld id="{BD2BB0C7-5F12-48CA-94B3-F11B687F46EA}" type="datetimeFigureOut">
+            <a:fld id="{4DDCE556-4D1F-41EE-A331-87F93D655712}" type="datetimeFigureOut">
               <a:rPr lang="zh-CN" altLang="en-US" smtClean="0"/>
               <a:t>2024/3/10</a:t>
             </a:fld>
@@ -2674,7 +2674,7 @@
           <p:cNvPr id="6" name="页脚占位符 5">
             <a:extLst>
               <a:ext uri="{FF2B5EF4-FFF2-40B4-BE49-F238E27FC236}">
-                <a16:creationId xmlns:a16="http://schemas.microsoft.com/office/drawing/2014/main" id="{CF99D68E-E4D9-4BB6-F514-E1D97F4BA25B}"/>
+                <a16:creationId xmlns:a16="http://schemas.microsoft.com/office/drawing/2014/main" id="{ABA18864-80B7-ED46-19D0-F6A182CEDC67}"/>
               </a:ext>
             </a:extLst>
           </p:cNvPr>
@@ -2699,7 +2699,7 @@
           <p:cNvPr id="7" name="灯片编号占位符 6">
             <a:extLst>
               <a:ext uri="{FF2B5EF4-FFF2-40B4-BE49-F238E27FC236}">
-                <a16:creationId xmlns:a16="http://schemas.microsoft.com/office/drawing/2014/main" id="{23A4D6EB-6CF1-520F-0BBD-243DDB24D4B4}"/>
+                <a16:creationId xmlns:a16="http://schemas.microsoft.com/office/drawing/2014/main" id="{29C16F70-7CD6-803D-35F5-89532B6AB5BE}"/>
               </a:ext>
             </a:extLst>
           </p:cNvPr>
@@ -2715,7 +2715,7 @@
           <a:bodyPr/>
           <a:lstStyle/>
           <a:p>
-            <a:fld id="{B3650932-385E-4602-8C18-5015AB274301}" type="slidenum">
+            <a:fld id="{A00EDBD4-AD8F-4A99-90C9-373B50E2E92A}" type="slidenum">
               <a:rPr lang="zh-CN" altLang="en-US" smtClean="0"/>
               <a:t>‹#›</a:t>
             </a:fld>
@@ -2726,7 +2726,7 @@
     </p:spTree>
     <p:extLst>
       <p:ext uri="{BB962C8B-B14F-4D97-AF65-F5344CB8AC3E}">
-        <p14:creationId xmlns:p14="http://schemas.microsoft.com/office/powerpoint/2010/main" val="3869768378"/>
+        <p14:creationId xmlns:p14="http://schemas.microsoft.com/office/powerpoint/2010/main" val="720163957"/>
       </p:ext>
     </p:extLst>
   </p:cSld>
@@ -2763,7 +2763,7 @@
           <p:cNvPr id="2" name="标题占位符 1">
             <a:extLst>
               <a:ext uri="{FF2B5EF4-FFF2-40B4-BE49-F238E27FC236}">
-                <a16:creationId xmlns:a16="http://schemas.microsoft.com/office/drawing/2014/main" id="{BD6E4B45-73C0-361A-2C6B-4D24C8C2A133}"/>
+                <a16:creationId xmlns:a16="http://schemas.microsoft.com/office/drawing/2014/main" id="{3720D83B-DBEB-4E69-52E0-EA77788B1C76}"/>
               </a:ext>
             </a:extLst>
           </p:cNvPr>
@@ -2801,7 +2801,7 @@
           <p:cNvPr id="3" name="文本占位符 2">
             <a:extLst>
               <a:ext uri="{FF2B5EF4-FFF2-40B4-BE49-F238E27FC236}">
-                <a16:creationId xmlns:a16="http://schemas.microsoft.com/office/drawing/2014/main" id="{B46BF6AA-0962-A83D-F44C-9B9E82635E0D}"/>
+                <a16:creationId xmlns:a16="http://schemas.microsoft.com/office/drawing/2014/main" id="{F4E76D8A-8A7E-9360-7882-49465566B3F8}"/>
               </a:ext>
             </a:extLst>
           </p:cNvPr>
@@ -2868,7 +2868,7 @@
           <p:cNvPr id="4" name="日期占位符 3">
             <a:extLst>
               <a:ext uri="{FF2B5EF4-FFF2-40B4-BE49-F238E27FC236}">
-                <a16:creationId xmlns:a16="http://schemas.microsoft.com/office/drawing/2014/main" id="{5BD2DF63-ECC0-8335-B486-8AD890F2583A}"/>
+                <a16:creationId xmlns:a16="http://schemas.microsoft.com/office/drawing/2014/main" id="{AAAFB727-E5F9-2473-0249-BF80EB8755E6}"/>
               </a:ext>
             </a:extLst>
           </p:cNvPr>
@@ -2902,7 +2902,7 @@
             </a:lvl1pPr>
           </a:lstStyle>
           <a:p>
-            <a:fld id="{BD2BB0C7-5F12-48CA-94B3-F11B687F46EA}" type="datetimeFigureOut">
+            <a:fld id="{4DDCE556-4D1F-41EE-A331-87F93D655712}" type="datetimeFigureOut">
               <a:rPr lang="zh-CN" altLang="en-US" smtClean="0"/>
               <a:t>2024/3/10</a:t>
             </a:fld>
@@ -2915,7 +2915,7 @@
           <p:cNvPr id="5" name="页脚占位符 4">
             <a:extLst>
               <a:ext uri="{FF2B5EF4-FFF2-40B4-BE49-F238E27FC236}">
-                <a16:creationId xmlns:a16="http://schemas.microsoft.com/office/drawing/2014/main" id="{798820B8-91EE-50DD-F9CD-50CC3B1294FD}"/>
+                <a16:creationId xmlns:a16="http://schemas.microsoft.com/office/drawing/2014/main" id="{4EECF3F0-D08A-32DD-98E5-376ECF31E9DC}"/>
               </a:ext>
             </a:extLst>
           </p:cNvPr>
@@ -2958,7 +2958,7 @@
           <p:cNvPr id="6" name="灯片编号占位符 5">
             <a:extLst>
               <a:ext uri="{FF2B5EF4-FFF2-40B4-BE49-F238E27FC236}">
-                <a16:creationId xmlns:a16="http://schemas.microsoft.com/office/drawing/2014/main" id="{2DC27E71-D9ED-CCFB-271E-FB6BFF5F43B2}"/>
+                <a16:creationId xmlns:a16="http://schemas.microsoft.com/office/drawing/2014/main" id="{8135C85B-3770-FC36-FF5A-4ADCEA1F226E}"/>
               </a:ext>
             </a:extLst>
           </p:cNvPr>
@@ -2992,7 +2992,7 @@
             </a:lvl1pPr>
           </a:lstStyle>
           <a:p>
-            <a:fld id="{B3650932-385E-4602-8C18-5015AB274301}" type="slidenum">
+            <a:fld id="{A00EDBD4-AD8F-4A99-90C9-373B50E2E92A}" type="slidenum">
               <a:rPr lang="zh-CN" altLang="en-US" smtClean="0"/>
               <a:t>‹#›</a:t>
             </a:fld>
@@ -3003,7 +3003,7 @@
     </p:spTree>
     <p:extLst>
       <p:ext uri="{BB962C8B-B14F-4D97-AF65-F5344CB8AC3E}">
-        <p14:creationId xmlns:p14="http://schemas.microsoft.com/office/powerpoint/2010/main" val="661298807"/>
+        <p14:creationId xmlns:p14="http://schemas.microsoft.com/office/powerpoint/2010/main" val="1377011785"/>
       </p:ext>
     </p:extLst>
   </p:cSld>
@@ -3323,7 +3323,7 @@
       </p:grpSpPr>
       <p:pic>
         <p:nvPicPr>
-          <p:cNvPr id="317442" name="Picture 2" descr="309"/>
+          <p:cNvPr id="318466" name="Picture 2" descr="310"/>
           <p:cNvPicPr>
             <a:picLocks noChangeAspect="1" noChangeArrowheads="1"/>
           </p:cNvPicPr>
@@ -3344,8 +3344,8 @@
         </p:blipFill>
         <p:spPr bwMode="auto">
           <a:xfrm>
-            <a:off x="1524000" y="1"/>
-            <a:ext cx="9144000" cy="5445125"/>
+            <a:off x="1524000" y="0"/>
+            <a:ext cx="9144000" cy="6858000"/>
           </a:xfrm>
           <a:prstGeom prst="rect">
             <a:avLst/>
